--- a/Priya groundwater ppt.pptx
+++ b/Priya groundwater ppt.pptx
@@ -12,7 +12,11 @@
     <p:sldId id="260" r:id="rId6"/>
     <p:sldId id="261" r:id="rId7"/>
     <p:sldId id="263" r:id="rId8"/>
-    <p:sldId id="262" r:id="rId9"/>
+    <p:sldId id="264" r:id="rId9"/>
+    <p:sldId id="265" r:id="rId10"/>
+    <p:sldId id="266" r:id="rId11"/>
+    <p:sldId id="262" r:id="rId12"/>
+    <p:sldId id="267" r:id="rId13"/>
   </p:sldIdLst>
   <p:sldSz cx="12192000" cy="6858000"/>
   <p:notesSz cx="6858000" cy="9144000"/>
@@ -299,6 +303,9 @@
   <p:clrMapOvr>
     <a:masterClrMapping/>
   </p:clrMapOvr>
+  <p:transition>
+    <p:wipe/>
+  </p:transition>
 </p:sldLayout>
 </file>
 
@@ -329,6 +336,9 @@
   <p:clrMapOvr>
     <a:masterClrMapping/>
   </p:clrMapOvr>
+  <p:transition>
+    <p:wipe/>
+  </p:transition>
 </p:sldLayout>
 </file>
 
@@ -359,6 +369,9 @@
   <p:clrMapOvr>
     <a:masterClrMapping/>
   </p:clrMapOvr>
+  <p:transition>
+    <p:wipe/>
+  </p:transition>
 </p:sldLayout>
 </file>
 
@@ -389,6 +402,9 @@
   <p:clrMapOvr>
     <a:masterClrMapping/>
   </p:clrMapOvr>
+  <p:transition>
+    <p:wipe/>
+  </p:transition>
 </p:sldLayout>
 </file>
 
@@ -648,6 +664,9 @@
     <p:sldLayoutId id="2147483714" r:id="rId3"/>
     <p:sldLayoutId id="2147483727" r:id="rId4"/>
   </p:sldLayoutIdLst>
+  <p:transition>
+    <p:wipe/>
+  </p:transition>
   <p:hf sldNum="0" hdr="0" ftr="0" dt="0"/>
   <p:txStyles>
     <p:titleStyle>
@@ -1338,7 +1357,7 @@
       </a:lvl9pPr>
     </p:otherStyle>
   </p:txStyles>
-  <p:extLst>
+  <p:extLst mod="1">
     <p:ext uri="{27BBF7A9-308A-43DC-89C8-2F10F3537804}">
       <p15:sldGuideLst xmlns="" xmlns:p15="http://schemas.microsoft.com/office/powerpoint/2012/main">
         <p15:guide id="1" orient="horz" pos="2160">
@@ -1659,6 +1678,9 @@
   <p:clrMapOvr>
     <a:masterClrMapping/>
   </p:clrMapOvr>
+  <p:transition>
+    <p:wipe/>
+  </p:transition>
   <p:timing>
     <p:tnLst>
       <p:par>
@@ -1666,6 +1688,293 @@
       </p:par>
     </p:tnLst>
   </p:timing>
+</p:sld>
+</file>
+
+<file path=ppt/slides/slide10.xml><?xml version="1.0" encoding="utf-8"?>
+<p:sld xmlns:a="http://schemas.openxmlformats.org/drawingml/2006/main" xmlns:r="http://schemas.openxmlformats.org/officeDocument/2006/relationships" xmlns:p="http://schemas.openxmlformats.org/presentationml/2006/main">
+  <p:cSld>
+    <p:spTree>
+      <p:nvGrpSpPr>
+        <p:cNvPr id="1" name=""/>
+        <p:cNvGrpSpPr/>
+        <p:nvPr/>
+      </p:nvGrpSpPr>
+      <p:grpSpPr>
+        <a:xfrm>
+          <a:off x="0" y="0"/>
+          <a:ext cx="0" cy="0"/>
+          <a:chOff x="0" y="0"/>
+          <a:chExt cx="0" cy="0"/>
+        </a:xfrm>
+      </p:grpSpPr>
+      <p:pic>
+        <p:nvPicPr>
+          <p:cNvPr id="2" name="Picture 1" descr="Screenshot (1074).png"/>
+          <p:cNvPicPr>
+            <a:picLocks noChangeAspect="1"/>
+          </p:cNvPicPr>
+          <p:nvPr/>
+        </p:nvPicPr>
+        <p:blipFill>
+          <a:blip r:embed="rId2"/>
+          <a:srcRect l="5948" t="31280" r="53707" b="20881"/>
+          <a:stretch>
+            <a:fillRect/>
+          </a:stretch>
+        </p:blipFill>
+        <p:spPr>
+          <a:xfrm>
+            <a:off x="725213" y="1734207"/>
+            <a:ext cx="9553903" cy="4335517"/>
+          </a:xfrm>
+          <a:prstGeom prst="rect">
+            <a:avLst/>
+          </a:prstGeom>
+        </p:spPr>
+      </p:pic>
+      <p:sp>
+        <p:nvSpPr>
+          <p:cNvPr id="3" name="TextBox 2"/>
+          <p:cNvSpPr txBox="1"/>
+          <p:nvPr/>
+        </p:nvSpPr>
+        <p:spPr>
+          <a:xfrm>
+            <a:off x="2065283" y="961697"/>
+            <a:ext cx="6317755" cy="379656"/>
+          </a:xfrm>
+          <a:prstGeom prst="rect">
+            <a:avLst/>
+          </a:prstGeom>
+          <a:noFill/>
+        </p:spPr>
+        <p:txBody>
+          <a:bodyPr wrap="none" rtlCol="0">
+            <a:spAutoFit/>
+          </a:bodyPr>
+          <a:lstStyle/>
+          <a:p>
+            <a:r>
+              <a:rPr lang="en-US" b="1" dirty="0" smtClean="0"/>
+              <a:t>FUTURE PREDICTED NET CHANGE AND RISK LEVEL</a:t>
+            </a:r>
+            <a:endParaRPr lang="en-US" b="1" dirty="0"/>
+          </a:p>
+        </p:txBody>
+      </p:sp>
+    </p:spTree>
+  </p:cSld>
+  <p:clrMapOvr>
+    <a:masterClrMapping/>
+  </p:clrMapOvr>
+  <p:transition>
+    <p:wipe/>
+  </p:transition>
+  <p:timing>
+    <p:tnLst>
+      <p:par>
+        <p:cTn id="1" dur="indefinite" restart="never" nodeType="tmRoot"/>
+      </p:par>
+    </p:tnLst>
+  </p:timing>
+</p:sld>
+</file>
+
+<file path=ppt/slides/slide11.xml><?xml version="1.0" encoding="utf-8"?>
+<p:sld xmlns:a="http://schemas.openxmlformats.org/drawingml/2006/main" xmlns:r="http://schemas.openxmlformats.org/officeDocument/2006/relationships" xmlns:p="http://schemas.openxmlformats.org/presentationml/2006/main">
+  <p:cSld>
+    <p:spTree>
+      <p:nvGrpSpPr>
+        <p:cNvPr id="1" name=""/>
+        <p:cNvGrpSpPr/>
+        <p:nvPr/>
+      </p:nvGrpSpPr>
+      <p:grpSpPr>
+        <a:xfrm>
+          <a:off x="0" y="0"/>
+          <a:ext cx="0" cy="0"/>
+          <a:chOff x="0" y="0"/>
+          <a:chExt cx="0" cy="0"/>
+        </a:xfrm>
+      </p:grpSpPr>
+      <p:sp>
+        <p:nvSpPr>
+          <p:cNvPr id="3" name="TextBox 2">
+            <a:extLst>
+              <a:ext uri="{FF2B5EF4-FFF2-40B4-BE49-F238E27FC236}">
+                <a16:creationId xmlns="" xmlns:a16="http://schemas.microsoft.com/office/drawing/2014/main" id="{2361D872-7EC7-439F-A588-B1D90CB7A92F}"/>
+              </a:ext>
+            </a:extLst>
+          </p:cNvPr>
+          <p:cNvSpPr txBox="1"/>
+          <p:nvPr/>
+        </p:nvSpPr>
+        <p:spPr>
+          <a:xfrm>
+            <a:off x="149087" y="988151"/>
+            <a:ext cx="11450730" cy="3785652"/>
+          </a:xfrm>
+          <a:prstGeom prst="rect">
+            <a:avLst/>
+          </a:prstGeom>
+          <a:noFill/>
+        </p:spPr>
+        <p:txBody>
+          <a:bodyPr wrap="square">
+            <a:spAutoFit/>
+          </a:bodyPr>
+          <a:lstStyle/>
+          <a:p>
+            <a:r>
+              <a:rPr lang="en-US" sz="3600" b="1" dirty="0">
+                <a:solidFill>
+                  <a:srgbClr val="213163"/>
+                </a:solidFill>
+              </a:rPr>
+              <a:t>Conclusion</a:t>
+            </a:r>
+            <a:r>
+              <a:rPr lang="en-US" sz="3600" b="1" dirty="0" smtClean="0">
+                <a:solidFill>
+                  <a:srgbClr val="213163"/>
+                </a:solidFill>
+              </a:rPr>
+              <a:t>:</a:t>
+            </a:r>
+          </a:p>
+          <a:p>
+            <a:endParaRPr lang="en-US" sz="3600" b="1" dirty="0" smtClean="0">
+              <a:solidFill>
+                <a:srgbClr val="213163"/>
+              </a:solidFill>
+            </a:endParaRPr>
+          </a:p>
+          <a:p>
+            <a:r>
+              <a:rPr lang="en-US" sz="2400" dirty="0" smtClean="0">
+                <a:solidFill>
+                  <a:srgbClr val="213163"/>
+                </a:solidFill>
+                <a:latin typeface="Times New Roman" pitchFamily="18" charset="0"/>
+                <a:cs typeface="Times New Roman" pitchFamily="18" charset="0"/>
+              </a:rPr>
+              <a:t>This project provides AI-based predictions for groundwater rise and depletion, helping users understand trends and take proactive measures for sustainable water management.</a:t>
+            </a:r>
+            <a:r>
+              <a:rPr lang="en-US" sz="2400" b="1" dirty="0" smtClean="0">
+                <a:solidFill>
+                  <a:srgbClr val="213163"/>
+                </a:solidFill>
+                <a:latin typeface="Times New Roman" pitchFamily="18" charset="0"/>
+                <a:cs typeface="Times New Roman" pitchFamily="18" charset="0"/>
+              </a:rPr>
+              <a:t> </a:t>
+            </a:r>
+            <a:r>
+              <a:rPr lang="en-US" sz="2400" dirty="0" smtClean="0">
+                <a:solidFill>
+                  <a:srgbClr val="213163"/>
+                </a:solidFill>
+                <a:latin typeface="Times New Roman" pitchFamily="18" charset="0"/>
+                <a:cs typeface="Times New Roman" pitchFamily="18" charset="0"/>
+              </a:rPr>
+              <a:t>The AI model accurately predicts groundwater depletion and recharge trends, aiding sustainable water management. It enables early warnings and optimized water usage for farmers and authorities. Supports data-driven decisions, improving efficiency over traditional methods. It is scalable and adaptable for different regions, with potential for real-time monitoring and climate scenario integration.</a:t>
+            </a:r>
+            <a:endParaRPr lang="en-IN" sz="2400" dirty="0">
+              <a:solidFill>
+                <a:srgbClr val="213163"/>
+              </a:solidFill>
+              <a:latin typeface="Times New Roman" pitchFamily="18" charset="0"/>
+              <a:cs typeface="Times New Roman" pitchFamily="18" charset="0"/>
+            </a:endParaRPr>
+          </a:p>
+        </p:txBody>
+      </p:sp>
+    </p:spTree>
+    <p:extLst>
+      <p:ext uri="{BB962C8B-B14F-4D97-AF65-F5344CB8AC3E}">
+        <p14:creationId xmlns="" xmlns:p14="http://schemas.microsoft.com/office/powerpoint/2010/main" val="151988358"/>
+      </p:ext>
+    </p:extLst>
+  </p:cSld>
+  <p:clrMapOvr>
+    <a:masterClrMapping/>
+  </p:clrMapOvr>
+  <p:transition>
+    <p:wipe/>
+  </p:transition>
+  <p:timing>
+    <p:tnLst>
+      <p:par>
+        <p:cTn id="1" dur="indefinite" restart="never" nodeType="tmRoot"/>
+      </p:par>
+    </p:tnLst>
+  </p:timing>
+</p:sld>
+</file>
+
+<file path=ppt/slides/slide12.xml><?xml version="1.0" encoding="utf-8"?>
+<p:sld xmlns:a="http://schemas.openxmlformats.org/drawingml/2006/main" xmlns:r="http://schemas.openxmlformats.org/officeDocument/2006/relationships" xmlns:p="http://schemas.openxmlformats.org/presentationml/2006/main">
+  <p:cSld>
+    <p:spTree>
+      <p:nvGrpSpPr>
+        <p:cNvPr id="1" name=""/>
+        <p:cNvGrpSpPr/>
+        <p:nvPr/>
+      </p:nvGrpSpPr>
+      <p:grpSpPr>
+        <a:xfrm>
+          <a:off x="0" y="0"/>
+          <a:ext cx="0" cy="0"/>
+          <a:chOff x="0" y="0"/>
+          <a:chExt cx="0" cy="0"/>
+        </a:xfrm>
+      </p:grpSpPr>
+      <p:sp>
+        <p:nvSpPr>
+          <p:cNvPr id="2" name="TextBox 1"/>
+          <p:cNvSpPr txBox="1"/>
+          <p:nvPr/>
+        </p:nvSpPr>
+        <p:spPr>
+          <a:xfrm>
+            <a:off x="2900854" y="2601310"/>
+            <a:ext cx="5596759" cy="1015663"/>
+          </a:xfrm>
+          <a:prstGeom prst="rect">
+            <a:avLst/>
+          </a:prstGeom>
+          <a:noFill/>
+        </p:spPr>
+        <p:txBody>
+          <a:bodyPr wrap="square" rtlCol="0">
+            <a:spAutoFit/>
+          </a:bodyPr>
+          <a:lstStyle/>
+          <a:p>
+            <a:r>
+              <a:rPr lang="en-US" sz="6000" b="1" dirty="0" smtClean="0">
+                <a:latin typeface="Times New Roman" pitchFamily="18" charset="0"/>
+                <a:cs typeface="Times New Roman" pitchFamily="18" charset="0"/>
+              </a:rPr>
+              <a:t>  THANK YOU</a:t>
+            </a:r>
+            <a:endParaRPr lang="en-US" sz="6000" b="1" dirty="0">
+              <a:latin typeface="Times New Roman" pitchFamily="18" charset="0"/>
+              <a:cs typeface="Times New Roman" pitchFamily="18" charset="0"/>
+            </a:endParaRPr>
+          </a:p>
+        </p:txBody>
+      </p:sp>
+    </p:spTree>
+  </p:cSld>
+  <p:clrMapOvr>
+    <a:masterClrMapping/>
+  </p:clrMapOvr>
+  <p:transition>
+    <p:wipe/>
+  </p:transition>
 </p:sld>
 </file>
 
@@ -1815,17 +2124,7 @@
                 <a:latin typeface="Times New Roman" pitchFamily="18" charset="0"/>
                 <a:cs typeface="Times New Roman" pitchFamily="18" charset="0"/>
               </a:rPr>
-              <a:t>      hydrological and environmental data</a:t>
-            </a:r>
-            <a:r>
-              <a:rPr lang="en-US" sz="2000" dirty="0" smtClean="0">
-                <a:solidFill>
-                  <a:srgbClr val="213163"/>
-                </a:solidFill>
-                <a:latin typeface="Times New Roman" pitchFamily="18" charset="0"/>
-                <a:cs typeface="Times New Roman" pitchFamily="18" charset="0"/>
-              </a:rPr>
-              <a:t>.</a:t>
+              <a:t>      hydrological and environmental data.</a:t>
             </a:r>
             <a:r>
               <a:rPr lang="en-IN" sz="2000" dirty="0" smtClean="0">
@@ -1837,13 +2136,6 @@
               </a:rPr>
               <a:t> Analyze historical </a:t>
             </a:r>
-            <a:endParaRPr lang="en-IN" sz="2000" dirty="0" smtClean="0">
-              <a:solidFill>
-                <a:srgbClr val="213163"/>
-              </a:solidFill>
-              <a:latin typeface="Times New Roman" pitchFamily="18" charset="0"/>
-              <a:cs typeface="Times New Roman" pitchFamily="18" charset="0"/>
-            </a:endParaRPr>
           </a:p>
           <a:p>
             <a:r>
@@ -1854,37 +2146,7 @@
                 <a:latin typeface="Times New Roman" pitchFamily="18" charset="0"/>
                 <a:cs typeface="Times New Roman" pitchFamily="18" charset="0"/>
               </a:rPr>
-              <a:t> </a:t>
-            </a:r>
-            <a:r>
-              <a:rPr lang="en-IN" sz="2000" dirty="0" smtClean="0">
-                <a:solidFill>
-                  <a:srgbClr val="213163"/>
-                </a:solidFill>
-                <a:latin typeface="Times New Roman" pitchFamily="18" charset="0"/>
-                <a:cs typeface="Times New Roman" pitchFamily="18" charset="0"/>
-              </a:rPr>
-              <a:t>     data </a:t>
-            </a:r>
-            <a:r>
-              <a:rPr lang="en-IN" sz="2000" dirty="0" smtClean="0">
-                <a:solidFill>
-                  <a:srgbClr val="213163"/>
-                </a:solidFill>
-                <a:latin typeface="Times New Roman" pitchFamily="18" charset="0"/>
-                <a:cs typeface="Times New Roman" pitchFamily="18" charset="0"/>
-              </a:rPr>
-              <a:t>for actionable insights</a:t>
-            </a:r>
-            <a:r>
-              <a:rPr lang="en-IN" sz="2000" dirty="0" smtClean="0">
-                <a:solidFill>
-                  <a:srgbClr val="213163"/>
-                </a:solidFill>
-                <a:latin typeface="Times New Roman" pitchFamily="18" charset="0"/>
-                <a:cs typeface="Times New Roman" pitchFamily="18" charset="0"/>
-              </a:rPr>
-              <a:t>.</a:t>
+              <a:t>      data for actionable insights.</a:t>
             </a:r>
             <a:endParaRPr lang="en-US" sz="800" dirty="0" smtClean="0">
               <a:solidFill>
@@ -2002,17 +2264,7 @@
                 <a:latin typeface="Times New Roman" pitchFamily="18" charset="0"/>
                 <a:cs typeface="Times New Roman" pitchFamily="18" charset="0"/>
               </a:rPr>
-              <a:t>      tool for monitoring and prediction</a:t>
-            </a:r>
-            <a:r>
-              <a:rPr lang="en-US" sz="2000" dirty="0" smtClean="0">
-                <a:solidFill>
-                  <a:srgbClr val="213163"/>
-                </a:solidFill>
-                <a:latin typeface="Times New Roman" pitchFamily="18" charset="0"/>
-                <a:cs typeface="Times New Roman" pitchFamily="18" charset="0"/>
-              </a:rPr>
-              <a:t>.</a:t>
+              <a:t>      tool for monitoring and prediction.</a:t>
             </a:r>
           </a:p>
           <a:p>
@@ -2112,6 +2364,9 @@
   <p:clrMapOvr>
     <a:masterClrMapping/>
   </p:clrMapOvr>
+  <p:transition>
+    <p:wipe/>
+  </p:transition>
   <p:timing>
     <p:tnLst>
       <p:par>
@@ -2240,6 +2495,90 @@
               </a:rPr>
               <a:t> Python Libraries: Pandas, </a:t>
             </a:r>
+          </a:p>
+          <a:p>
+            <a:r>
+              <a:rPr lang="en-IN" sz="2000" dirty="0" err="1" smtClean="0">
+                <a:solidFill>
+                  <a:srgbClr val="213163"/>
+                </a:solidFill>
+                <a:latin typeface="Times New Roman" pitchFamily="18" charset="0"/>
+                <a:cs typeface="Times New Roman" pitchFamily="18" charset="0"/>
+              </a:rPr>
+              <a:t>NumPy</a:t>
+            </a:r>
+            <a:r>
+              <a:rPr lang="en-IN" sz="2000" dirty="0" smtClean="0">
+                <a:solidFill>
+                  <a:srgbClr val="213163"/>
+                </a:solidFill>
+                <a:latin typeface="Times New Roman" pitchFamily="18" charset="0"/>
+                <a:cs typeface="Times New Roman" pitchFamily="18" charset="0"/>
+              </a:rPr>
+              <a:t>, </a:t>
+            </a:r>
+            <a:r>
+              <a:rPr lang="en-IN" sz="2000" dirty="0" err="1" smtClean="0">
+                <a:solidFill>
+                  <a:srgbClr val="213163"/>
+                </a:solidFill>
+                <a:latin typeface="Times New Roman" pitchFamily="18" charset="0"/>
+                <a:cs typeface="Times New Roman" pitchFamily="18" charset="0"/>
+              </a:rPr>
+              <a:t>Seaborn</a:t>
+            </a:r>
+            <a:r>
+              <a:rPr lang="en-IN" sz="2000" dirty="0" smtClean="0">
+                <a:solidFill>
+                  <a:srgbClr val="213163"/>
+                </a:solidFill>
+                <a:latin typeface="Times New Roman" pitchFamily="18" charset="0"/>
+                <a:cs typeface="Times New Roman" pitchFamily="18" charset="0"/>
+              </a:rPr>
+              <a:t>, </a:t>
+            </a:r>
+            <a:r>
+              <a:rPr lang="en-IN" sz="2000" dirty="0" err="1" smtClean="0">
+                <a:solidFill>
+                  <a:srgbClr val="213163"/>
+                </a:solidFill>
+                <a:latin typeface="Times New Roman" pitchFamily="18" charset="0"/>
+                <a:cs typeface="Times New Roman" pitchFamily="18" charset="0"/>
+              </a:rPr>
+              <a:t>Matplotlib</a:t>
+            </a:r>
+            <a:r>
+              <a:rPr lang="en-IN" sz="2000" dirty="0" smtClean="0">
+                <a:solidFill>
+                  <a:srgbClr val="213163"/>
+                </a:solidFill>
+                <a:latin typeface="Times New Roman" pitchFamily="18" charset="0"/>
+                <a:cs typeface="Times New Roman" pitchFamily="18" charset="0"/>
+              </a:rPr>
+              <a:t>, </a:t>
+            </a:r>
+            <a:r>
+              <a:rPr lang="en-IN" sz="2000" dirty="0" err="1" smtClean="0">
+                <a:solidFill>
+                  <a:srgbClr val="213163"/>
+                </a:solidFill>
+                <a:latin typeface="Times New Roman" pitchFamily="18" charset="0"/>
+                <a:cs typeface="Times New Roman" pitchFamily="18" charset="0"/>
+              </a:rPr>
+              <a:t>Scikit</a:t>
+            </a:r>
+            <a:r>
+              <a:rPr lang="en-IN" sz="2000" dirty="0" smtClean="0">
+                <a:solidFill>
+                  <a:srgbClr val="213163"/>
+                </a:solidFill>
+                <a:latin typeface="Times New Roman" pitchFamily="18" charset="0"/>
+                <a:cs typeface="Times New Roman" pitchFamily="18" charset="0"/>
+              </a:rPr>
+              <a:t>-learn</a:t>
+            </a:r>
+          </a:p>
+          <a:p>
             <a:endParaRPr lang="en-IN" sz="2000" dirty="0" smtClean="0">
               <a:solidFill>
                 <a:srgbClr val="213163"/>
@@ -2249,6 +2588,40 @@
             </a:endParaRPr>
           </a:p>
           <a:p>
+            <a:pPr>
+              <a:buFont typeface="Wingdings" pitchFamily="2" charset="2"/>
+              <a:buChar char="q"/>
+            </a:pPr>
+            <a:r>
+              <a:rPr lang="en-IN" sz="2000" dirty="0" smtClean="0">
+                <a:solidFill>
+                  <a:srgbClr val="213163"/>
+                </a:solidFill>
+                <a:latin typeface="Times New Roman" pitchFamily="18" charset="0"/>
+                <a:cs typeface="Times New Roman" pitchFamily="18" charset="0"/>
+              </a:rPr>
+              <a:t>    </a:t>
+            </a:r>
+            <a:r>
+              <a:rPr lang="en-IN" sz="2000" b="1" dirty="0" smtClean="0">
+                <a:solidFill>
+                  <a:srgbClr val="213163"/>
+                </a:solidFill>
+                <a:latin typeface="Times New Roman" pitchFamily="18" charset="0"/>
+                <a:cs typeface="Times New Roman" pitchFamily="18" charset="0"/>
+              </a:rPr>
+              <a:t>Models:</a:t>
+            </a:r>
+            <a:r>
+              <a:rPr lang="en-IN" sz="2000" dirty="0" smtClean="0">
+                <a:solidFill>
+                  <a:srgbClr val="213163"/>
+                </a:solidFill>
+                <a:latin typeface="Times New Roman" pitchFamily="18" charset="0"/>
+                <a:cs typeface="Times New Roman" pitchFamily="18" charset="0"/>
+              </a:rPr>
+              <a:t> Random Forest </a:t>
+            </a:r>
             <a:r>
               <a:rPr lang="en-IN" sz="2000" dirty="0" err="1" smtClean="0">
                 <a:solidFill>
@@ -2257,80 +2630,8 @@
                 <a:latin typeface="Times New Roman" pitchFamily="18" charset="0"/>
                 <a:cs typeface="Times New Roman" pitchFamily="18" charset="0"/>
               </a:rPr>
-              <a:t>NumPy</a:t>
-            </a:r>
-            <a:r>
-              <a:rPr lang="en-IN" sz="2000" dirty="0" smtClean="0">
-                <a:solidFill>
-                  <a:srgbClr val="213163"/>
-                </a:solidFill>
-                <a:latin typeface="Times New Roman" pitchFamily="18" charset="0"/>
-                <a:cs typeface="Times New Roman" pitchFamily="18" charset="0"/>
-              </a:rPr>
-              <a:t>, </a:t>
-            </a:r>
-            <a:r>
-              <a:rPr lang="en-IN" sz="2000" dirty="0" err="1" smtClean="0">
-                <a:solidFill>
-                  <a:srgbClr val="213163"/>
-                </a:solidFill>
-                <a:latin typeface="Times New Roman" pitchFamily="18" charset="0"/>
-                <a:cs typeface="Times New Roman" pitchFamily="18" charset="0"/>
-              </a:rPr>
-              <a:t>Seaborn</a:t>
-            </a:r>
-            <a:r>
-              <a:rPr lang="en-IN" sz="2000" dirty="0" smtClean="0">
-                <a:solidFill>
-                  <a:srgbClr val="213163"/>
-                </a:solidFill>
-                <a:latin typeface="Times New Roman" pitchFamily="18" charset="0"/>
-                <a:cs typeface="Times New Roman" pitchFamily="18" charset="0"/>
-              </a:rPr>
-              <a:t>, </a:t>
-            </a:r>
-            <a:r>
-              <a:rPr lang="en-IN" sz="2000" dirty="0" err="1" smtClean="0">
-                <a:solidFill>
-                  <a:srgbClr val="213163"/>
-                </a:solidFill>
-                <a:latin typeface="Times New Roman" pitchFamily="18" charset="0"/>
-                <a:cs typeface="Times New Roman" pitchFamily="18" charset="0"/>
-              </a:rPr>
-              <a:t>Matplotlib</a:t>
-            </a:r>
-            <a:r>
-              <a:rPr lang="en-IN" sz="2000" dirty="0" smtClean="0">
-                <a:solidFill>
-                  <a:srgbClr val="213163"/>
-                </a:solidFill>
-                <a:latin typeface="Times New Roman" pitchFamily="18" charset="0"/>
-                <a:cs typeface="Times New Roman" pitchFamily="18" charset="0"/>
-              </a:rPr>
-              <a:t>, </a:t>
-            </a:r>
-            <a:r>
-              <a:rPr lang="en-IN" sz="2000" dirty="0" err="1" smtClean="0">
-                <a:solidFill>
-                  <a:srgbClr val="213163"/>
-                </a:solidFill>
-                <a:latin typeface="Times New Roman" pitchFamily="18" charset="0"/>
-                <a:cs typeface="Times New Roman" pitchFamily="18" charset="0"/>
-              </a:rPr>
-              <a:t>Scikit</a:t>
-            </a:r>
-            <a:r>
-              <a:rPr lang="en-IN" sz="2000" dirty="0" smtClean="0">
-                <a:solidFill>
-                  <a:srgbClr val="213163"/>
-                </a:solidFill>
-                <a:latin typeface="Times New Roman" pitchFamily="18" charset="0"/>
-                <a:cs typeface="Times New Roman" pitchFamily="18" charset="0"/>
-              </a:rPr>
-              <a:t>-learn</a:t>
-            </a:r>
-          </a:p>
-          <a:p>
+              <a:t>Regressor</a:t>
+            </a:r>
             <a:endParaRPr lang="en-IN" sz="2000" dirty="0" smtClean="0">
               <a:solidFill>
                 <a:srgbClr val="213163"/>
@@ -2340,50 +2641,6 @@
             </a:endParaRPr>
           </a:p>
           <a:p>
-            <a:pPr>
-              <a:buFont typeface="Wingdings" pitchFamily="2" charset="2"/>
-              <a:buChar char="q"/>
-            </a:pPr>
-            <a:r>
-              <a:rPr lang="en-IN" sz="2000" dirty="0" smtClean="0">
-                <a:solidFill>
-                  <a:srgbClr val="213163"/>
-                </a:solidFill>
-                <a:latin typeface="Times New Roman" pitchFamily="18" charset="0"/>
-                <a:cs typeface="Times New Roman" pitchFamily="18" charset="0"/>
-              </a:rPr>
-              <a:t>    </a:t>
-            </a:r>
-            <a:r>
-              <a:rPr lang="en-IN" sz="2000" b="1" dirty="0" smtClean="0">
-                <a:solidFill>
-                  <a:srgbClr val="213163"/>
-                </a:solidFill>
-                <a:latin typeface="Times New Roman" pitchFamily="18" charset="0"/>
-                <a:cs typeface="Times New Roman" pitchFamily="18" charset="0"/>
-              </a:rPr>
-              <a:t>Models:</a:t>
-            </a:r>
-            <a:r>
-              <a:rPr lang="en-IN" sz="2000" dirty="0" smtClean="0">
-                <a:solidFill>
-                  <a:srgbClr val="213163"/>
-                </a:solidFill>
-                <a:latin typeface="Times New Roman" pitchFamily="18" charset="0"/>
-                <a:cs typeface="Times New Roman" pitchFamily="18" charset="0"/>
-              </a:rPr>
-              <a:t> Random Forest </a:t>
-            </a:r>
-            <a:r>
-              <a:rPr lang="en-IN" sz="2000" dirty="0" err="1" smtClean="0">
-                <a:solidFill>
-                  <a:srgbClr val="213163"/>
-                </a:solidFill>
-                <a:latin typeface="Times New Roman" pitchFamily="18" charset="0"/>
-                <a:cs typeface="Times New Roman" pitchFamily="18" charset="0"/>
-              </a:rPr>
-              <a:t>Regressor</a:t>
-            </a:r>
             <a:endParaRPr lang="en-IN" sz="2000" dirty="0" smtClean="0">
               <a:solidFill>
                 <a:srgbClr val="213163"/>
@@ -2393,6 +2650,42 @@
             </a:endParaRPr>
           </a:p>
           <a:p>
+            <a:pPr>
+              <a:buFont typeface="Wingdings" pitchFamily="2" charset="2"/>
+              <a:buChar char="q"/>
+            </a:pPr>
+            <a:r>
+              <a:rPr lang="en-IN" sz="2000" dirty="0" smtClean="0">
+                <a:solidFill>
+                  <a:srgbClr val="213163"/>
+                </a:solidFill>
+                <a:latin typeface="Times New Roman" pitchFamily="18" charset="0"/>
+                <a:cs typeface="Times New Roman" pitchFamily="18" charset="0"/>
+              </a:rPr>
+              <a:t>    </a:t>
+            </a:r>
+            <a:r>
+              <a:rPr lang="en-IN" sz="2000" b="1" dirty="0" smtClean="0">
+                <a:solidFill>
+                  <a:srgbClr val="213163"/>
+                </a:solidFill>
+                <a:latin typeface="Times New Roman" pitchFamily="18" charset="0"/>
+                <a:cs typeface="Times New Roman" pitchFamily="18" charset="0"/>
+              </a:rPr>
+              <a:t>Metrics:</a:t>
+            </a:r>
+            <a:r>
+              <a:rPr lang="en-IN" sz="2000" dirty="0" smtClean="0">
+                <a:solidFill>
+                  <a:srgbClr val="213163"/>
+                </a:solidFill>
+                <a:latin typeface="Times New Roman" pitchFamily="18" charset="0"/>
+                <a:cs typeface="Times New Roman" pitchFamily="18" charset="0"/>
+              </a:rPr>
+              <a:t> RMSE, R² Score, MSE</a:t>
+            </a:r>
+          </a:p>
+          <a:p>
             <a:endParaRPr lang="en-IN" sz="2000" dirty="0" smtClean="0">
               <a:solidFill>
                 <a:srgbClr val="213163"/>
@@ -2424,7 +2717,7 @@
                 <a:latin typeface="Times New Roman" pitchFamily="18" charset="0"/>
                 <a:cs typeface="Times New Roman" pitchFamily="18" charset="0"/>
               </a:rPr>
-              <a:t>Metrics:</a:t>
+              <a:t>Environment:</a:t>
             </a:r>
             <a:r>
               <a:rPr lang="en-IN" sz="2000" dirty="0" smtClean="0">
@@ -2434,7 +2727,17 @@
                 <a:latin typeface="Times New Roman" pitchFamily="18" charset="0"/>
                 <a:cs typeface="Times New Roman" pitchFamily="18" charset="0"/>
               </a:rPr>
-              <a:t> RMSE, R² Score</a:t>
+              <a:t> </a:t>
+            </a:r>
+            <a:r>
+              <a:rPr lang="en-IN" sz="2000" dirty="0" err="1" smtClean="0">
+                <a:solidFill>
+                  <a:srgbClr val="213163"/>
+                </a:solidFill>
+                <a:latin typeface="Times New Roman" pitchFamily="18" charset="0"/>
+                <a:cs typeface="Times New Roman" pitchFamily="18" charset="0"/>
+              </a:rPr>
+              <a:t>Jupyter</a:t>
             </a:r>
             <a:r>
               <a:rPr lang="en-IN" sz="2000" dirty="0" smtClean="0">
@@ -2444,8 +2747,10 @@
                 <a:latin typeface="Times New Roman" pitchFamily="18" charset="0"/>
                 <a:cs typeface="Times New Roman" pitchFamily="18" charset="0"/>
               </a:rPr>
-              <a:t>, MSE</a:t>
-            </a:r>
+              <a:t> Notebook / VS Code</a:t>
+            </a:r>
+          </a:p>
+          <a:p>
             <a:endParaRPr lang="en-IN" sz="2000" dirty="0" smtClean="0">
               <a:solidFill>
                 <a:srgbClr val="213163"/>
@@ -2455,15 +2760,6 @@
             </a:endParaRPr>
           </a:p>
           <a:p>
-            <a:endParaRPr lang="en-IN" sz="2000" dirty="0" smtClean="0">
-              <a:solidFill>
-                <a:srgbClr val="213163"/>
-              </a:solidFill>
-              <a:latin typeface="Times New Roman" pitchFamily="18" charset="0"/>
-              <a:cs typeface="Times New Roman" pitchFamily="18" charset="0"/>
-            </a:endParaRPr>
-          </a:p>
-          <a:p>
             <a:pPr>
               <a:buFont typeface="Wingdings" pitchFamily="2" charset="2"/>
               <a:buChar char="q"/>
@@ -2486,7 +2782,7 @@
                 <a:latin typeface="Times New Roman" pitchFamily="18" charset="0"/>
                 <a:cs typeface="Times New Roman" pitchFamily="18" charset="0"/>
               </a:rPr>
-              <a:t>Environment:</a:t>
+              <a:t>Data:</a:t>
             </a:r>
             <a:r>
               <a:rPr lang="en-IN" sz="2000" dirty="0" smtClean="0">
@@ -2496,37 +2792,30 @@
                 <a:latin typeface="Times New Roman" pitchFamily="18" charset="0"/>
                 <a:cs typeface="Times New Roman" pitchFamily="18" charset="0"/>
               </a:rPr>
+              <a:t> Excel file</a:t>
+            </a:r>
+          </a:p>
+          <a:p>
+            <a:r>
+              <a:rPr lang="en-IN" sz="2000" dirty="0" smtClean="0">
+                <a:solidFill>
+                  <a:srgbClr val="213163"/>
+                </a:solidFill>
+                <a:latin typeface="Times New Roman" pitchFamily="18" charset="0"/>
+                <a:cs typeface="Times New Roman" pitchFamily="18" charset="0"/>
+              </a:rPr>
               <a:t> </a:t>
             </a:r>
             <a:r>
-              <a:rPr lang="en-IN" sz="2000" dirty="0" err="1" smtClean="0">
-                <a:solidFill>
-                  <a:srgbClr val="213163"/>
-                </a:solidFill>
-                <a:latin typeface="Times New Roman" pitchFamily="18" charset="0"/>
-                <a:cs typeface="Times New Roman" pitchFamily="18" charset="0"/>
-              </a:rPr>
-              <a:t>Jupyter</a:t>
-            </a:r>
-            <a:r>
-              <a:rPr lang="en-IN" sz="2000" dirty="0" smtClean="0">
-                <a:solidFill>
-                  <a:srgbClr val="213163"/>
-                </a:solidFill>
-                <a:latin typeface="Times New Roman" pitchFamily="18" charset="0"/>
-                <a:cs typeface="Times New Roman" pitchFamily="18" charset="0"/>
-              </a:rPr>
-              <a:t> Notebook / VS Code</a:t>
-            </a:r>
-          </a:p>
-          <a:p>
-            <a:endParaRPr lang="en-IN" sz="2000" dirty="0" smtClean="0">
-              <a:solidFill>
-                <a:srgbClr val="213163"/>
-              </a:solidFill>
-              <a:latin typeface="Times New Roman" pitchFamily="18" charset="0"/>
-              <a:cs typeface="Times New Roman" pitchFamily="18" charset="0"/>
-            </a:endParaRPr>
+              <a:rPr lang="en-IN" sz="2000" b="1" dirty="0" smtClean="0">
+                <a:solidFill>
+                  <a:srgbClr val="213163"/>
+                </a:solidFill>
+                <a:latin typeface="Times New Roman" pitchFamily="18" charset="0"/>
+                <a:cs typeface="Times New Roman" pitchFamily="18" charset="0"/>
+              </a:rPr>
+              <a:t> </a:t>
+            </a:r>
           </a:p>
           <a:p>
             <a:pPr>
@@ -2534,6 +2823,16 @@
               <a:buChar char="q"/>
             </a:pPr>
             <a:r>
+              <a:rPr lang="en-IN" sz="2000" b="1" dirty="0" smtClean="0">
+                <a:solidFill>
+                  <a:srgbClr val="213163"/>
+                </a:solidFill>
+                <a:latin typeface="Times New Roman" pitchFamily="18" charset="0"/>
+                <a:cs typeface="Times New Roman" pitchFamily="18" charset="0"/>
+              </a:rPr>
+              <a:t>    Visualization: </a:t>
+            </a:r>
+            <a:r>
               <a:rPr lang="en-IN" sz="2000" dirty="0" smtClean="0">
                 <a:solidFill>
                   <a:srgbClr val="213163"/>
@@ -2541,18 +2840,10 @@
                 <a:latin typeface="Times New Roman" pitchFamily="18" charset="0"/>
                 <a:cs typeface="Times New Roman" pitchFamily="18" charset="0"/>
               </a:rPr>
-              <a:t>    </a:t>
-            </a:r>
-            <a:r>
-              <a:rPr lang="en-IN" sz="2000" b="1" dirty="0" smtClean="0">
-                <a:solidFill>
-                  <a:srgbClr val="213163"/>
-                </a:solidFill>
-                <a:latin typeface="Times New Roman" pitchFamily="18" charset="0"/>
-                <a:cs typeface="Times New Roman" pitchFamily="18" charset="0"/>
-              </a:rPr>
-              <a:t>Data:</a:t>
-            </a:r>
+              <a:t>Charts, graphs for groundwater</a:t>
+            </a:r>
+          </a:p>
+          <a:p>
             <a:r>
               <a:rPr lang="en-IN" sz="2000" dirty="0" smtClean="0">
                 <a:solidFill>
@@ -2561,145 +2852,8 @@
                 <a:latin typeface="Times New Roman" pitchFamily="18" charset="0"/>
                 <a:cs typeface="Times New Roman" pitchFamily="18" charset="0"/>
               </a:rPr>
-              <a:t> Excel </a:t>
-            </a:r>
-            <a:r>
-              <a:rPr lang="en-IN" sz="2000" dirty="0" smtClean="0">
-                <a:solidFill>
-                  <a:srgbClr val="213163"/>
-                </a:solidFill>
-                <a:latin typeface="Times New Roman" pitchFamily="18" charset="0"/>
-                <a:cs typeface="Times New Roman" pitchFamily="18" charset="0"/>
-              </a:rPr>
-              <a:t>file</a:t>
-            </a:r>
-          </a:p>
-          <a:p>
-            <a:r>
-              <a:rPr lang="en-IN" sz="2000" dirty="0" smtClean="0">
-                <a:solidFill>
-                  <a:srgbClr val="213163"/>
-                </a:solidFill>
-                <a:latin typeface="Times New Roman" pitchFamily="18" charset="0"/>
-                <a:cs typeface="Times New Roman" pitchFamily="18" charset="0"/>
-              </a:rPr>
-              <a:t> </a:t>
-            </a:r>
-            <a:r>
-              <a:rPr lang="en-IN" sz="2000" b="1" dirty="0" smtClean="0">
-                <a:solidFill>
-                  <a:srgbClr val="213163"/>
-                </a:solidFill>
-                <a:latin typeface="Times New Roman" pitchFamily="18" charset="0"/>
-                <a:cs typeface="Times New Roman" pitchFamily="18" charset="0"/>
-              </a:rPr>
-              <a:t> </a:t>
-            </a:r>
-          </a:p>
-          <a:p>
-            <a:pPr>
-              <a:buFont typeface="Wingdings" pitchFamily="2" charset="2"/>
-              <a:buChar char="q"/>
-            </a:pPr>
-            <a:r>
-              <a:rPr lang="en-IN" sz="2000" b="1" dirty="0" smtClean="0">
-                <a:solidFill>
-                  <a:srgbClr val="213163"/>
-                </a:solidFill>
-                <a:latin typeface="Times New Roman" pitchFamily="18" charset="0"/>
-                <a:cs typeface="Times New Roman" pitchFamily="18" charset="0"/>
-              </a:rPr>
-              <a:t> </a:t>
-            </a:r>
-            <a:r>
-              <a:rPr lang="en-IN" sz="2000" b="1" dirty="0" smtClean="0">
-                <a:solidFill>
-                  <a:srgbClr val="213163"/>
-                </a:solidFill>
-                <a:latin typeface="Times New Roman" pitchFamily="18" charset="0"/>
-                <a:cs typeface="Times New Roman" pitchFamily="18" charset="0"/>
-              </a:rPr>
-              <a:t> </a:t>
-            </a:r>
-            <a:r>
-              <a:rPr lang="en-IN" sz="2000" b="1" dirty="0" smtClean="0">
-                <a:solidFill>
-                  <a:srgbClr val="213163"/>
-                </a:solidFill>
-                <a:latin typeface="Times New Roman" pitchFamily="18" charset="0"/>
-                <a:cs typeface="Times New Roman" pitchFamily="18" charset="0"/>
-              </a:rPr>
-              <a:t>  Visualization</a:t>
-            </a:r>
-            <a:r>
-              <a:rPr lang="en-IN" sz="2000" b="1" dirty="0" smtClean="0">
-                <a:solidFill>
-                  <a:srgbClr val="213163"/>
-                </a:solidFill>
-                <a:latin typeface="Times New Roman" pitchFamily="18" charset="0"/>
-                <a:cs typeface="Times New Roman" pitchFamily="18" charset="0"/>
-              </a:rPr>
-              <a:t>: </a:t>
-            </a:r>
-            <a:r>
-              <a:rPr lang="en-IN" sz="2000" dirty="0" smtClean="0">
-                <a:solidFill>
-                  <a:srgbClr val="213163"/>
-                </a:solidFill>
-                <a:latin typeface="Times New Roman" pitchFamily="18" charset="0"/>
-                <a:cs typeface="Times New Roman" pitchFamily="18" charset="0"/>
-              </a:rPr>
-              <a:t>Charts, graphs for </a:t>
-            </a:r>
-            <a:r>
-              <a:rPr lang="en-IN" sz="2000" dirty="0" smtClean="0">
-                <a:solidFill>
-                  <a:srgbClr val="213163"/>
-                </a:solidFill>
-                <a:latin typeface="Times New Roman" pitchFamily="18" charset="0"/>
-                <a:cs typeface="Times New Roman" pitchFamily="18" charset="0"/>
-              </a:rPr>
-              <a:t>groundwater</a:t>
-            </a:r>
-          </a:p>
-          <a:p>
-            <a:r>
-              <a:rPr lang="en-IN" sz="2000" dirty="0" smtClean="0">
-                <a:solidFill>
-                  <a:srgbClr val="213163"/>
-                </a:solidFill>
-                <a:latin typeface="Times New Roman" pitchFamily="18" charset="0"/>
-                <a:cs typeface="Times New Roman" pitchFamily="18" charset="0"/>
-              </a:rPr>
-              <a:t> </a:t>
-            </a:r>
-            <a:r>
-              <a:rPr lang="en-IN" sz="2000" dirty="0" smtClean="0">
-                <a:solidFill>
-                  <a:srgbClr val="213163"/>
-                </a:solidFill>
-                <a:latin typeface="Times New Roman" pitchFamily="18" charset="0"/>
-                <a:cs typeface="Times New Roman" pitchFamily="18" charset="0"/>
-              </a:rPr>
-              <a:t>       </a:t>
-            </a:r>
-            <a:r>
-              <a:rPr lang="en-IN" sz="2000" dirty="0" smtClean="0">
-                <a:solidFill>
-                  <a:srgbClr val="213163"/>
-                </a:solidFill>
-                <a:latin typeface="Times New Roman" pitchFamily="18" charset="0"/>
-                <a:cs typeface="Times New Roman" pitchFamily="18" charset="0"/>
-              </a:rPr>
-              <a:t>trends</a:t>
-            </a:r>
-            <a:endParaRPr lang="en-IN" sz="2000" dirty="0" smtClean="0">
-              <a:solidFill>
-                <a:srgbClr val="213163"/>
-              </a:solidFill>
-              <a:latin typeface="Times New Roman" pitchFamily="18" charset="0"/>
-              <a:cs typeface="Times New Roman" pitchFamily="18" charset="0"/>
-            </a:endParaRPr>
+              <a:t>        trends</a:t>
+            </a:r>
           </a:p>
           <a:p>
             <a:endParaRPr lang="en-IN" sz="2000" b="1" dirty="0" smtClean="0">
@@ -2758,6 +2912,9 @@
   <p:clrMapOvr>
     <a:masterClrMapping/>
   </p:clrMapOvr>
+  <p:transition>
+    <p:wipe/>
+  </p:transition>
   <p:timing>
     <p:tnLst>
       <p:par>
@@ -3279,6 +3436,9 @@
   <p:clrMapOvr>
     <a:masterClrMapping/>
   </p:clrMapOvr>
+  <p:transition>
+    <p:wipe/>
+  </p:transition>
   <p:timing>
     <p:tnLst>
       <p:par>
@@ -3431,17 +3591,7 @@
                 <a:latin typeface="Times New Roman" pitchFamily="18" charset="0"/>
                 <a:cs typeface="Times New Roman" pitchFamily="18" charset="0"/>
               </a:rPr>
-              <a:t>      environmental </a:t>
-            </a:r>
-            <a:r>
-              <a:rPr lang="en-US" sz="2000" dirty="0" smtClean="0">
-                <a:solidFill>
-                  <a:srgbClr val="213163"/>
-                </a:solidFill>
-                <a:latin typeface="Times New Roman" pitchFamily="18" charset="0"/>
-                <a:cs typeface="Times New Roman" pitchFamily="18" charset="0"/>
-              </a:rPr>
-              <a:t>consequences</a:t>
+              <a:t>      environmental consequences</a:t>
             </a:r>
             <a:r>
               <a:rPr lang="en-US" sz="2400" dirty="0" smtClean="0">
@@ -3485,13 +3635,6 @@
               </a:rPr>
               <a:t>  Need for AI-driven prediction system to forecast recharge/depletion trends. </a:t>
             </a:r>
-            <a:endParaRPr lang="en-US" sz="2000" dirty="0" smtClean="0">
-              <a:solidFill>
-                <a:srgbClr val="213163"/>
-              </a:solidFill>
-              <a:latin typeface="Times New Roman" pitchFamily="18" charset="0"/>
-              <a:cs typeface="Times New Roman" pitchFamily="18" charset="0"/>
-            </a:endParaRPr>
           </a:p>
         </p:txBody>
       </p:sp>
@@ -3505,6 +3648,9 @@
   <p:clrMapOvr>
     <a:masterClrMapping/>
   </p:clrMapOvr>
+  <p:transition>
+    <p:wipe/>
+  </p:transition>
   <p:timing>
     <p:tnLst>
       <p:par>
@@ -3621,27 +3767,7 @@
                 <a:latin typeface="Times New Roman" pitchFamily="18" charset="0"/>
                 <a:cs typeface="Times New Roman" pitchFamily="18" charset="0"/>
               </a:rPr>
-              <a:t>        </a:t>
-            </a:r>
-            <a:r>
-              <a:rPr lang="en-US" sz="2000" dirty="0" smtClean="0">
-                <a:solidFill>
-                  <a:srgbClr val="213163"/>
-                </a:solidFill>
-                <a:latin typeface="Times New Roman" pitchFamily="18" charset="0"/>
-                <a:cs typeface="Times New Roman" pitchFamily="18" charset="0"/>
-              </a:rPr>
-              <a:t>Accurately </a:t>
-            </a:r>
-            <a:r>
-              <a:rPr lang="en-US" sz="2000" dirty="0" smtClean="0">
-                <a:solidFill>
-                  <a:srgbClr val="213163"/>
-                </a:solidFill>
-                <a:latin typeface="Times New Roman" pitchFamily="18" charset="0"/>
-                <a:cs typeface="Times New Roman" pitchFamily="18" charset="0"/>
-              </a:rPr>
-              <a:t>predict periods of groundwater stress and replenishment.</a:t>
+              <a:t>        Accurately predict periods of groundwater stress and replenishment.</a:t>
             </a:r>
           </a:p>
           <a:p>
@@ -3666,27 +3792,7 @@
                 <a:latin typeface="Times New Roman" pitchFamily="18" charset="0"/>
                 <a:cs typeface="Times New Roman" pitchFamily="18" charset="0"/>
               </a:rPr>
-              <a:t>        </a:t>
-            </a:r>
-            <a:r>
-              <a:rPr lang="en-US" sz="2000" dirty="0" smtClean="0">
-                <a:solidFill>
-                  <a:srgbClr val="213163"/>
-                </a:solidFill>
-                <a:latin typeface="Times New Roman" pitchFamily="18" charset="0"/>
-                <a:cs typeface="Times New Roman" pitchFamily="18" charset="0"/>
-              </a:rPr>
-              <a:t>Provide </a:t>
-            </a:r>
-            <a:r>
-              <a:rPr lang="en-US" sz="2000" dirty="0" smtClean="0">
-                <a:solidFill>
-                  <a:srgbClr val="213163"/>
-                </a:solidFill>
-                <a:latin typeface="Times New Roman" pitchFamily="18" charset="0"/>
-                <a:cs typeface="Times New Roman" pitchFamily="18" charset="0"/>
-              </a:rPr>
-              <a:t>early warnings to help authorities and communities manage water usage.</a:t>
+              <a:t>        Provide early warnings to help authorities and communities manage water usage.</a:t>
             </a:r>
           </a:p>
           <a:p>
@@ -3711,37 +3817,7 @@
                 <a:latin typeface="Times New Roman" pitchFamily="18" charset="0"/>
                 <a:cs typeface="Times New Roman" pitchFamily="18" charset="0"/>
               </a:rPr>
-              <a:t>        </a:t>
-            </a:r>
-            <a:r>
-              <a:rPr lang="en-US" sz="2000" dirty="0" smtClean="0">
-                <a:solidFill>
-                  <a:srgbClr val="213163"/>
-                </a:solidFill>
-                <a:latin typeface="Times New Roman" pitchFamily="18" charset="0"/>
-                <a:cs typeface="Times New Roman" pitchFamily="18" charset="0"/>
-              </a:rPr>
-              <a:t>Support </a:t>
-            </a:r>
-            <a:r>
-              <a:rPr lang="en-US" sz="2000" dirty="0" smtClean="0">
-                <a:solidFill>
-                  <a:srgbClr val="213163"/>
-                </a:solidFill>
-                <a:latin typeface="Times New Roman" pitchFamily="18" charset="0"/>
-                <a:cs typeface="Times New Roman" pitchFamily="18" charset="0"/>
-              </a:rPr>
-              <a:t>optimized planning for irrigation, water harvesting, and sustainable extraction</a:t>
-            </a:r>
-            <a:r>
-              <a:rPr lang="en-US" sz="2000" dirty="0" smtClean="0">
-                <a:solidFill>
-                  <a:srgbClr val="213163"/>
-                </a:solidFill>
-                <a:latin typeface="Times New Roman" pitchFamily="18" charset="0"/>
-                <a:cs typeface="Times New Roman" pitchFamily="18" charset="0"/>
-              </a:rPr>
-              <a:t>.</a:t>
+              <a:t>        Support optimized planning for irrigation, water harvesting, and sustainable extraction.</a:t>
             </a:r>
           </a:p>
           <a:p>
@@ -3766,25 +3842,8 @@
                 <a:latin typeface="Times New Roman" pitchFamily="18" charset="0"/>
                 <a:cs typeface="Times New Roman" pitchFamily="18" charset="0"/>
               </a:rPr>
-              <a:t>        Supports </a:t>
-            </a:r>
-            <a:r>
-              <a:rPr lang="en-US" sz="2000" dirty="0" smtClean="0">
-                <a:solidFill>
-                  <a:srgbClr val="213163"/>
-                </a:solidFill>
-                <a:latin typeface="Times New Roman" pitchFamily="18" charset="0"/>
-                <a:cs typeface="Times New Roman" pitchFamily="18" charset="0"/>
-              </a:rPr>
-              <a:t>data-driven decisions, improving efficiency over traditional methods. </a:t>
-            </a:r>
-            <a:endParaRPr lang="en-US" sz="2000" dirty="0" smtClean="0">
-              <a:solidFill>
-                <a:srgbClr val="213163"/>
-              </a:solidFill>
-              <a:latin typeface="Times New Roman" pitchFamily="18" charset="0"/>
-              <a:cs typeface="Times New Roman" pitchFamily="18" charset="0"/>
-            </a:endParaRPr>
+              <a:t>        Supports data-driven decisions, improving efficiency over traditional methods. </a:t>
+            </a:r>
           </a:p>
           <a:p>
             <a:endParaRPr lang="en-US" sz="1000" dirty="0" smtClean="0">
@@ -3808,8 +3867,10 @@
                 <a:latin typeface="Times New Roman" pitchFamily="18" charset="0"/>
                 <a:cs typeface="Times New Roman" pitchFamily="18" charset="0"/>
               </a:rPr>
-              <a:t>        Scalable </a:t>
-            </a:r>
+              <a:t>        Scalable and adaptable for different regions, with potential for real-time monitoring and climate  </a:t>
+            </a:r>
+          </a:p>
+          <a:p>
             <a:r>
               <a:rPr lang="en-US" sz="2000" dirty="0" smtClean="0">
                 <a:solidFill>
@@ -3818,49 +3879,7 @@
                 <a:latin typeface="Times New Roman" pitchFamily="18" charset="0"/>
                 <a:cs typeface="Times New Roman" pitchFamily="18" charset="0"/>
               </a:rPr>
-              <a:t>and adaptable for different regions, with potential for real-time monitoring and climate </a:t>
-            </a:r>
-            <a:r>
-              <a:rPr lang="en-US" sz="2000" dirty="0" smtClean="0">
-                <a:solidFill>
-                  <a:srgbClr val="213163"/>
-                </a:solidFill>
-                <a:latin typeface="Times New Roman" pitchFamily="18" charset="0"/>
-                <a:cs typeface="Times New Roman" pitchFamily="18" charset="0"/>
-              </a:rPr>
-              <a:t> </a:t>
-            </a:r>
-          </a:p>
-          <a:p>
-            <a:r>
-              <a:rPr lang="en-US" sz="2000" dirty="0" smtClean="0">
-                <a:solidFill>
-                  <a:srgbClr val="213163"/>
-                </a:solidFill>
-                <a:latin typeface="Times New Roman" pitchFamily="18" charset="0"/>
-                <a:cs typeface="Times New Roman" pitchFamily="18" charset="0"/>
-              </a:rPr>
-              <a:t> </a:t>
-            </a:r>
-            <a:r>
-              <a:rPr lang="en-US" sz="2000" dirty="0" smtClean="0">
-                <a:solidFill>
-                  <a:srgbClr val="213163"/>
-                </a:solidFill>
-                <a:latin typeface="Times New Roman" pitchFamily="18" charset="0"/>
-                <a:cs typeface="Times New Roman" pitchFamily="18" charset="0"/>
-              </a:rPr>
-              <a:t>          scenario </a:t>
-            </a:r>
-            <a:r>
-              <a:rPr lang="en-US" sz="2000" dirty="0" smtClean="0">
-                <a:solidFill>
-                  <a:srgbClr val="213163"/>
-                </a:solidFill>
-                <a:latin typeface="Times New Roman" pitchFamily="18" charset="0"/>
-                <a:cs typeface="Times New Roman" pitchFamily="18" charset="0"/>
-              </a:rPr>
-              <a:t>integration</a:t>
+              <a:t>           scenario integration</a:t>
             </a:r>
             <a:endParaRPr lang="en-IN" sz="2000" dirty="0" smtClean="0">
               <a:solidFill>
@@ -3895,6 +3914,9 @@
   <p:clrMapOvr>
     <a:masterClrMapping/>
   </p:clrMapOvr>
+  <p:transition>
+    <p:wipe/>
+  </p:transition>
   <p:timing>
     <p:tnLst>
       <p:par>
@@ -3936,8 +3958,8 @@
         </p:nvSpPr>
         <p:spPr>
           <a:xfrm>
-            <a:off x="255104" y="1054412"/>
-            <a:ext cx="6102626" cy="400110"/>
+            <a:off x="0" y="218839"/>
+            <a:ext cx="6102626" cy="707886"/>
           </a:xfrm>
           <a:prstGeom prst="rect">
             <a:avLst/>
@@ -3953,14 +3975,140 @@
             <a:r>
               <a:rPr lang="en-US" sz="2000" b="1" dirty="0">
                 <a:solidFill>
-                  <a:srgbClr val="213163"/>
-                </a:solidFill>
-              </a:rPr>
-              <a:t>Screenshot of Output:  </a:t>
+                  <a:schemeClr val="bg1"/>
+                </a:solidFill>
+              </a:rPr>
+              <a:t>Screenshot of Output</a:t>
+            </a:r>
+            <a:r>
+              <a:rPr lang="en-US" sz="2000" b="1" dirty="0" smtClean="0">
+                <a:solidFill>
+                  <a:schemeClr val="bg1"/>
+                </a:solidFill>
+              </a:rPr>
+              <a:t>:</a:t>
+            </a:r>
+          </a:p>
+          <a:p>
+            <a:r>
+              <a:rPr lang="en-US" sz="2000" b="1" dirty="0" smtClean="0">
+                <a:solidFill>
+                  <a:srgbClr val="213163"/>
+                </a:solidFill>
+              </a:rPr>
+              <a:t>  </a:t>
             </a:r>
             <a:endParaRPr lang="en-IN" sz="2000" b="1" dirty="0">
               <a:solidFill>
                 <a:srgbClr val="213163"/>
+              </a:solidFill>
+            </a:endParaRPr>
+          </a:p>
+        </p:txBody>
+      </p:sp>
+      <p:pic>
+        <p:nvPicPr>
+          <p:cNvPr id="1026" name="Picture 2"/>
+          <p:cNvPicPr>
+            <a:picLocks noChangeAspect="1" noChangeArrowheads="1"/>
+          </p:cNvPicPr>
+          <p:nvPr/>
+        </p:nvPicPr>
+        <p:blipFill>
+          <a:blip r:embed="rId2"/>
+          <a:srcRect/>
+          <a:stretch>
+            <a:fillRect/>
+          </a:stretch>
+        </p:blipFill>
+        <p:spPr bwMode="auto">
+          <a:xfrm>
+            <a:off x="0" y="693683"/>
+            <a:ext cx="6432331" cy="6164317"/>
+          </a:xfrm>
+          <a:prstGeom prst="rect">
+            <a:avLst/>
+          </a:prstGeom>
+          <a:noFill/>
+          <a:ln w="9525">
+            <a:solidFill>
+              <a:schemeClr val="tx1"/>
+            </a:solidFill>
+            <a:miter lim="800000"/>
+            <a:headEnd/>
+            <a:tailEnd/>
+          </a:ln>
+          <a:effectLst/>
+        </p:spPr>
+      </p:pic>
+      <p:pic>
+        <p:nvPicPr>
+          <p:cNvPr id="4" name="Picture 2"/>
+          <p:cNvPicPr>
+            <a:picLocks noChangeAspect="1" noChangeArrowheads="1"/>
+          </p:cNvPicPr>
+          <p:nvPr/>
+        </p:nvPicPr>
+        <p:blipFill>
+          <a:blip r:embed="rId3"/>
+          <a:srcRect/>
+          <a:stretch>
+            <a:fillRect/>
+          </a:stretch>
+        </p:blipFill>
+        <p:spPr bwMode="auto">
+          <a:xfrm>
+            <a:off x="6526925" y="583323"/>
+            <a:ext cx="5665076" cy="6274677"/>
+          </a:xfrm>
+          <a:prstGeom prst="rect">
+            <a:avLst/>
+          </a:prstGeom>
+          <a:noFill/>
+          <a:ln w="9525">
+            <a:solidFill>
+              <a:schemeClr val="tx1"/>
+            </a:solidFill>
+            <a:miter lim="800000"/>
+            <a:headEnd/>
+            <a:tailEnd/>
+          </a:ln>
+          <a:effectLst/>
+        </p:spPr>
+      </p:pic>
+      <p:sp>
+        <p:nvSpPr>
+          <p:cNvPr id="5" name="TextBox 4"/>
+          <p:cNvSpPr txBox="1"/>
+          <p:nvPr/>
+        </p:nvSpPr>
+        <p:spPr>
+          <a:xfrm>
+            <a:off x="3878317" y="252247"/>
+            <a:ext cx="3866764" cy="379656"/>
+          </a:xfrm>
+          <a:prstGeom prst="rect">
+            <a:avLst/>
+          </a:prstGeom>
+          <a:noFill/>
+        </p:spPr>
+        <p:txBody>
+          <a:bodyPr wrap="none" rtlCol="0">
+            <a:spAutoFit/>
+          </a:bodyPr>
+          <a:lstStyle/>
+          <a:p>
+            <a:r>
+              <a:rPr lang="en-US" b="1" dirty="0" smtClean="0">
+                <a:solidFill>
+                  <a:schemeClr val="bg1"/>
+                </a:solidFill>
+              </a:rPr>
+              <a:t>PAIRPLOT AND CORRELATION </a:t>
+            </a:r>
+            <a:endParaRPr lang="en-US" b="1" dirty="0">
+              <a:solidFill>
+                <a:schemeClr val="bg1"/>
               </a:solidFill>
             </a:endParaRPr>
           </a:p>
@@ -3976,6 +4124,9 @@
   <p:clrMapOvr>
     <a:masterClrMapping/>
   </p:clrMapOvr>
+  <p:transition>
+    <p:wipe/>
+  </p:transition>
   <p:timing>
     <p:tnLst>
       <p:par>
@@ -4003,159 +4154,237 @@
           <a:chExt cx="0" cy="0"/>
         </a:xfrm>
       </p:grpSpPr>
-      <p:sp>
-        <p:nvSpPr>
-          <p:cNvPr id="3" name="TextBox 2">
-            <a:extLst>
-              <a:ext uri="{FF2B5EF4-FFF2-40B4-BE49-F238E27FC236}">
-                <a16:creationId xmlns="" xmlns:a16="http://schemas.microsoft.com/office/drawing/2014/main" id="{2361D872-7EC7-439F-A588-B1D90CB7A92F}"/>
-              </a:ext>
-            </a:extLst>
-          </p:cNvPr>
-          <p:cNvSpPr txBox="1"/>
+      <p:pic>
+        <p:nvPicPr>
+          <p:cNvPr id="3" name="Picture 2" descr="Screenshot (1071).png"/>
+          <p:cNvPicPr>
+            <a:picLocks noChangeAspect="1"/>
+          </p:cNvPicPr>
           <p:nvPr/>
-        </p:nvSpPr>
+        </p:nvPicPr>
+        <p:blipFill>
+          <a:blip r:embed="rId2"/>
+          <a:srcRect l="6466" t="18835" r="66638" b="68285"/>
+          <a:stretch>
+            <a:fillRect/>
+          </a:stretch>
+        </p:blipFill>
         <p:spPr>
           <a:xfrm>
-            <a:off x="149087" y="988151"/>
-            <a:ext cx="11450730" cy="3785652"/>
+            <a:off x="252249" y="630621"/>
+            <a:ext cx="4761186" cy="882869"/>
+          </a:xfrm>
+          <a:prstGeom prst="rect">
+            <a:avLst/>
+          </a:prstGeom>
+        </p:spPr>
+      </p:pic>
+      <p:pic>
+        <p:nvPicPr>
+          <p:cNvPr id="2051" name="Picture 3"/>
+          <p:cNvPicPr>
+            <a:picLocks noChangeAspect="1" noChangeArrowheads="1"/>
+          </p:cNvPicPr>
+          <p:nvPr/>
+        </p:nvPicPr>
+        <p:blipFill>
+          <a:blip r:embed="rId3"/>
+          <a:srcRect/>
+          <a:stretch>
+            <a:fillRect/>
+          </a:stretch>
+        </p:blipFill>
+        <p:spPr bwMode="auto">
+          <a:xfrm>
+            <a:off x="0" y="1647825"/>
+            <a:ext cx="5067300" cy="5210175"/>
           </a:xfrm>
           <a:prstGeom prst="rect">
             <a:avLst/>
           </a:prstGeom>
           <a:noFill/>
+          <a:ln w="9525">
+            <a:noFill/>
+            <a:miter lim="800000"/>
+            <a:headEnd/>
+            <a:tailEnd/>
+          </a:ln>
+          <a:effectLst/>
         </p:spPr>
-        <p:txBody>
-          <a:bodyPr wrap="square">
-            <a:spAutoFit/>
-          </a:bodyPr>
-          <a:lstStyle/>
-          <a:p>
-            <a:r>
-              <a:rPr lang="en-US" sz="3600" b="1" dirty="0">
-                <a:solidFill>
-                  <a:srgbClr val="213163"/>
-                </a:solidFill>
-              </a:rPr>
-              <a:t>Conclusion</a:t>
-            </a:r>
-            <a:r>
-              <a:rPr lang="en-US" sz="3600" b="1" dirty="0" smtClean="0">
-                <a:solidFill>
-                  <a:srgbClr val="213163"/>
-                </a:solidFill>
-              </a:rPr>
-              <a:t>:</a:t>
-            </a:r>
-          </a:p>
-          <a:p>
-            <a:endParaRPr lang="en-US" sz="3600" b="1" dirty="0" smtClean="0">
-              <a:solidFill>
-                <a:srgbClr val="213163"/>
-              </a:solidFill>
-            </a:endParaRPr>
-          </a:p>
-          <a:p>
-            <a:r>
-              <a:rPr lang="en-US" sz="2400" dirty="0" smtClean="0">
-                <a:solidFill>
-                  <a:srgbClr val="213163"/>
-                </a:solidFill>
-                <a:latin typeface="Times New Roman" pitchFamily="18" charset="0"/>
-                <a:cs typeface="Times New Roman" pitchFamily="18" charset="0"/>
-              </a:rPr>
-              <a:t>This project provides AI-based predictions for groundwater rise and depletion, helping users understand trends and take proactive measures for sustainable water management.</a:t>
-            </a:r>
-            <a:r>
-              <a:rPr lang="en-US" sz="2400" b="1" dirty="0" smtClean="0">
-                <a:solidFill>
-                  <a:srgbClr val="213163"/>
-                </a:solidFill>
-                <a:latin typeface="Times New Roman" pitchFamily="18" charset="0"/>
-                <a:cs typeface="Times New Roman" pitchFamily="18" charset="0"/>
-              </a:rPr>
-              <a:t> </a:t>
-            </a:r>
-            <a:r>
-              <a:rPr lang="en-US" sz="2400" dirty="0" smtClean="0">
-                <a:solidFill>
-                  <a:srgbClr val="213163"/>
-                </a:solidFill>
-                <a:latin typeface="Times New Roman" pitchFamily="18" charset="0"/>
-                <a:cs typeface="Times New Roman" pitchFamily="18" charset="0"/>
-              </a:rPr>
-              <a:t>The AI model accurately predicts groundwater depletion and recharge trends, aiding sustainable water management. </a:t>
-            </a:r>
-            <a:r>
-              <a:rPr lang="en-US" sz="2400" dirty="0" smtClean="0">
-                <a:solidFill>
-                  <a:srgbClr val="213163"/>
-                </a:solidFill>
-                <a:latin typeface="Times New Roman" pitchFamily="18" charset="0"/>
-                <a:cs typeface="Times New Roman" pitchFamily="18" charset="0"/>
-              </a:rPr>
-              <a:t>It enables </a:t>
-            </a:r>
-            <a:r>
-              <a:rPr lang="en-US" sz="2400" dirty="0" smtClean="0">
-                <a:solidFill>
-                  <a:srgbClr val="213163"/>
-                </a:solidFill>
-                <a:latin typeface="Times New Roman" pitchFamily="18" charset="0"/>
-                <a:cs typeface="Times New Roman" pitchFamily="18" charset="0"/>
-              </a:rPr>
-              <a:t>early warnings and optimized water usage for farmers and authorities. Supports data-driven decisions, improving efficiency over traditional methods. </a:t>
-            </a:r>
-            <a:r>
-              <a:rPr lang="en-US" sz="2400" dirty="0" smtClean="0">
-                <a:solidFill>
-                  <a:srgbClr val="213163"/>
-                </a:solidFill>
-                <a:latin typeface="Times New Roman" pitchFamily="18" charset="0"/>
-                <a:cs typeface="Times New Roman" pitchFamily="18" charset="0"/>
-              </a:rPr>
-              <a:t>It is scalable </a:t>
-            </a:r>
-            <a:r>
-              <a:rPr lang="en-US" sz="2400" dirty="0" smtClean="0">
-                <a:solidFill>
-                  <a:srgbClr val="213163"/>
-                </a:solidFill>
-                <a:latin typeface="Times New Roman" pitchFamily="18" charset="0"/>
-                <a:cs typeface="Times New Roman" pitchFamily="18" charset="0"/>
-              </a:rPr>
-              <a:t>and adaptable for different regions, with potential for real-time monitoring and climate scenario </a:t>
-            </a:r>
-            <a:r>
-              <a:rPr lang="en-US" sz="2400" dirty="0" smtClean="0">
-                <a:solidFill>
-                  <a:srgbClr val="213163"/>
-                </a:solidFill>
-                <a:latin typeface="Times New Roman" pitchFamily="18" charset="0"/>
-                <a:cs typeface="Times New Roman" pitchFamily="18" charset="0"/>
-              </a:rPr>
-              <a:t>integration.</a:t>
-            </a:r>
-            <a:endParaRPr lang="en-IN" sz="2400" dirty="0">
-              <a:solidFill>
-                <a:srgbClr val="213163"/>
-              </a:solidFill>
-              <a:latin typeface="Times New Roman" pitchFamily="18" charset="0"/>
-              <a:cs typeface="Times New Roman" pitchFamily="18" charset="0"/>
-            </a:endParaRPr>
-          </a:p>
-        </p:txBody>
-      </p:sp>
+      </p:pic>
+      <p:pic>
+        <p:nvPicPr>
+          <p:cNvPr id="5" name="Picture 4" descr="Screenshot (1072).png"/>
+          <p:cNvPicPr>
+            <a:picLocks noChangeAspect="1"/>
+          </p:cNvPicPr>
+          <p:nvPr/>
+        </p:nvPicPr>
+        <p:blipFill>
+          <a:blip r:embed="rId4"/>
+          <a:srcRect l="5948" t="20905" r="77500" b="68285"/>
+          <a:stretch>
+            <a:fillRect/>
+          </a:stretch>
+        </p:blipFill>
+        <p:spPr>
+          <a:xfrm>
+            <a:off x="5959364" y="662152"/>
+            <a:ext cx="3988677" cy="930165"/>
+          </a:xfrm>
+          <a:prstGeom prst="rect">
+            <a:avLst/>
+          </a:prstGeom>
+        </p:spPr>
+      </p:pic>
+      <p:pic>
+        <p:nvPicPr>
+          <p:cNvPr id="2052" name="Picture 4"/>
+          <p:cNvPicPr>
+            <a:picLocks noChangeAspect="1" noChangeArrowheads="1"/>
+          </p:cNvPicPr>
+          <p:nvPr/>
+        </p:nvPicPr>
+        <p:blipFill>
+          <a:blip r:embed="rId5"/>
+          <a:srcRect/>
+          <a:stretch>
+            <a:fillRect/>
+          </a:stretch>
+        </p:blipFill>
+        <p:spPr bwMode="auto">
+          <a:xfrm>
+            <a:off x="5534627" y="1998773"/>
+            <a:ext cx="6226449" cy="4654275"/>
+          </a:xfrm>
+          <a:prstGeom prst="rect">
+            <a:avLst/>
+          </a:prstGeom>
+          <a:noFill/>
+          <a:ln w="9525">
+            <a:noFill/>
+            <a:miter lim="800000"/>
+            <a:headEnd/>
+            <a:tailEnd/>
+          </a:ln>
+          <a:effectLst/>
+        </p:spPr>
+      </p:pic>
     </p:spTree>
-    <p:extLst>
-      <p:ext uri="{BB962C8B-B14F-4D97-AF65-F5344CB8AC3E}">
-        <p14:creationId xmlns="" xmlns:p14="http://schemas.microsoft.com/office/powerpoint/2010/main" val="151988358"/>
-      </p:ext>
-    </p:extLst>
   </p:cSld>
   <p:clrMapOvr>
     <a:masterClrMapping/>
   </p:clrMapOvr>
+  <p:transition>
+    <p:wipe/>
+  </p:transition>
+  <p:timing>
+    <p:tnLst>
+      <p:par>
+        <p:cTn id="1" dur="indefinite" restart="never" nodeType="tmRoot"/>
+      </p:par>
+    </p:tnLst>
+  </p:timing>
+</p:sld>
+</file>
+
+<file path=ppt/slides/slide9.xml><?xml version="1.0" encoding="utf-8"?>
+<p:sld xmlns:a="http://schemas.openxmlformats.org/drawingml/2006/main" xmlns:r="http://schemas.openxmlformats.org/officeDocument/2006/relationships" xmlns:p="http://schemas.openxmlformats.org/presentationml/2006/main">
+  <p:cSld>
+    <p:spTree>
+      <p:nvGrpSpPr>
+        <p:cNvPr id="1" name=""/>
+        <p:cNvGrpSpPr/>
+        <p:nvPr/>
+      </p:nvGrpSpPr>
+      <p:grpSpPr>
+        <a:xfrm>
+          <a:off x="0" y="0"/>
+          <a:ext cx="0" cy="0"/>
+          <a:chOff x="0" y="0"/>
+          <a:chExt cx="0" cy="0"/>
+        </a:xfrm>
+      </p:grpSpPr>
+      <p:pic>
+        <p:nvPicPr>
+          <p:cNvPr id="3074" name="Picture 2"/>
+          <p:cNvPicPr>
+            <a:picLocks noChangeAspect="1" noChangeArrowheads="1"/>
+          </p:cNvPicPr>
+          <p:nvPr/>
+        </p:nvPicPr>
+        <p:blipFill>
+          <a:blip r:embed="rId2"/>
+          <a:srcRect/>
+          <a:stretch>
+            <a:fillRect/>
+          </a:stretch>
+        </p:blipFill>
+        <p:spPr bwMode="auto">
+          <a:xfrm>
+            <a:off x="0" y="378373"/>
+            <a:ext cx="7409793" cy="6274675"/>
+          </a:xfrm>
+          <a:prstGeom prst="rect">
+            <a:avLst/>
+          </a:prstGeom>
+          <a:solidFill>
+            <a:schemeClr val="tx1"/>
+          </a:solidFill>
+          <a:ln w="9525">
+            <a:solidFill>
+              <a:schemeClr val="tx1"/>
+            </a:solidFill>
+            <a:miter lim="800000"/>
+            <a:headEnd/>
+            <a:tailEnd/>
+          </a:ln>
+          <a:effectLst/>
+        </p:spPr>
+      </p:pic>
+      <p:pic>
+        <p:nvPicPr>
+          <p:cNvPr id="3075" name="Picture 3"/>
+          <p:cNvPicPr>
+            <a:picLocks noChangeAspect="1" noChangeArrowheads="1"/>
+          </p:cNvPicPr>
+          <p:nvPr/>
+        </p:nvPicPr>
+        <p:blipFill>
+          <a:blip r:embed="rId3"/>
+          <a:srcRect/>
+          <a:stretch>
+            <a:fillRect/>
+          </a:stretch>
+        </p:blipFill>
+        <p:spPr bwMode="auto">
+          <a:xfrm>
+            <a:off x="7441324" y="599090"/>
+            <a:ext cx="4750676" cy="5959365"/>
+          </a:xfrm>
+          <a:prstGeom prst="rect">
+            <a:avLst/>
+          </a:prstGeom>
+          <a:noFill/>
+          <a:ln w="9525">
+            <a:solidFill>
+              <a:schemeClr val="tx1"/>
+            </a:solidFill>
+            <a:miter lim="800000"/>
+            <a:headEnd/>
+            <a:tailEnd/>
+          </a:ln>
+          <a:effectLst/>
+        </p:spPr>
+      </p:pic>
+    </p:spTree>
+  </p:cSld>
+  <p:clrMapOvr>
+    <a:masterClrMapping/>
+  </p:clrMapOvr>
+  <p:transition>
+    <p:wipe/>
+  </p:transition>
   <p:timing>
     <p:tnLst>
       <p:par>
